--- a/Presentation/4630_DividendPres_v1.pptx
+++ b/Presentation/4630_DividendPres_v1.pptx
@@ -146,6 +146,9 @@
           </p14:sldIdLst>
         </p14:section>
       </p14:sectionLst>
+    </p:ext>
+    <p:ext uri="{EFAFB233-063F-42B5-8137-9DF3F51BA10A}">
+      <p15:sldGuideLst xmlns:p15="http://schemas.microsoft.com/office/powerpoint/2012/main"/>
     </p:ext>
   </p:extLst>
 </p:presentation>
@@ -1532,7 +1535,7 @@
             <a:fld id="{1160EA64-D806-43AC-9DF2-F8C432F32B4C}" type="datetimeFigureOut">
               <a:rPr lang="en-US" smtClean="0"/>
               <a:pPr/>
-              <a:t>12/3/22</a:t>
+              <a:t>12/4/22</a:t>
             </a:fld>
             <a:endParaRPr lang="en-US" dirty="0"/>
           </a:p>
@@ -1601,13 +1604,13 @@
   <p:clrMapOvr>
     <a:masterClrMapping/>
   </p:clrMapOvr>
-  <mc:AlternateContent xmlns:mc="http://schemas.openxmlformats.org/markup-compatibility/2006">
-    <mc:Choice xmlns:p14="http://schemas.microsoft.com/office/powerpoint/2010/main" Requires="p14">
+  <mc:AlternateContent xmlns:mc="http://schemas.openxmlformats.org/markup-compatibility/2006" xmlns:p14="http://schemas.microsoft.com/office/powerpoint/2010/main">
+    <mc:Choice Requires="p14">
       <p:transition spd="slow" p14:dur="4000">
         <p14:vortex dir="r"/>
       </p:transition>
     </mc:Choice>
-    <mc:Fallback>
+    <mc:Fallback xmlns="">
       <p:transition spd="slow">
         <p:fade/>
       </p:transition>
@@ -1851,7 +1854,7 @@
             <a:fld id="{1160EA64-D806-43AC-9DF2-F8C432F32B4C}" type="datetimeFigureOut">
               <a:rPr lang="en-US" smtClean="0"/>
               <a:pPr/>
-              <a:t>12/3/22</a:t>
+              <a:t>12/4/22</a:t>
             </a:fld>
             <a:endParaRPr lang="en-US" dirty="0"/>
           </a:p>
@@ -1910,13 +1913,13 @@
   <p:clrMapOvr>
     <a:masterClrMapping/>
   </p:clrMapOvr>
-  <mc:AlternateContent xmlns:mc="http://schemas.openxmlformats.org/markup-compatibility/2006">
-    <mc:Choice xmlns:p14="http://schemas.microsoft.com/office/powerpoint/2010/main" Requires="p14">
+  <mc:AlternateContent xmlns:mc="http://schemas.openxmlformats.org/markup-compatibility/2006" xmlns:p14="http://schemas.microsoft.com/office/powerpoint/2010/main">
+    <mc:Choice Requires="p14">
       <p:transition spd="slow" p14:dur="4000">
         <p14:vortex dir="r"/>
       </p:transition>
     </mc:Choice>
-    <mc:Fallback>
+    <mc:Fallback xmlns="">
       <p:transition spd="slow">
         <p:fade/>
       </p:transition>
@@ -2144,7 +2147,7 @@
             <a:fld id="{1160EA64-D806-43AC-9DF2-F8C432F32B4C}" type="datetimeFigureOut">
               <a:rPr lang="en-US" smtClean="0"/>
               <a:pPr/>
-              <a:t>12/3/22</a:t>
+              <a:t>12/4/22</a:t>
             </a:fld>
             <a:endParaRPr lang="en-US" dirty="0"/>
           </a:p>
@@ -2203,13 +2206,13 @@
   <p:clrMapOvr>
     <a:masterClrMapping/>
   </p:clrMapOvr>
-  <mc:AlternateContent xmlns:mc="http://schemas.openxmlformats.org/markup-compatibility/2006">
-    <mc:Choice xmlns:p14="http://schemas.microsoft.com/office/powerpoint/2010/main" Requires="p14">
+  <mc:AlternateContent xmlns:mc="http://schemas.openxmlformats.org/markup-compatibility/2006" xmlns:p14="http://schemas.microsoft.com/office/powerpoint/2010/main">
+    <mc:Choice Requires="p14">
       <p:transition spd="slow" p14:dur="4000">
         <p14:vortex dir="r"/>
       </p:transition>
     </mc:Choice>
-    <mc:Fallback>
+    <mc:Fallback xmlns="">
       <p:transition spd="slow">
         <p:fade/>
       </p:transition>
@@ -2729,7 +2732,7 @@
             <a:fld id="{1160EA64-D806-43AC-9DF2-F8C432F32B4C}" type="datetimeFigureOut">
               <a:rPr lang="en-US" smtClean="0"/>
               <a:pPr/>
-              <a:t>12/3/22</a:t>
+              <a:t>12/4/22</a:t>
             </a:fld>
             <a:endParaRPr lang="en-US" dirty="0"/>
           </a:p>
@@ -2788,13 +2791,13 @@
   <p:clrMapOvr>
     <a:masterClrMapping/>
   </p:clrMapOvr>
-  <mc:AlternateContent xmlns:mc="http://schemas.openxmlformats.org/markup-compatibility/2006">
-    <mc:Choice xmlns:p14="http://schemas.microsoft.com/office/powerpoint/2010/main" Requires="p14">
+  <mc:AlternateContent xmlns:mc="http://schemas.openxmlformats.org/markup-compatibility/2006" xmlns:p14="http://schemas.microsoft.com/office/powerpoint/2010/main">
+    <mc:Choice Requires="p14">
       <p:transition spd="slow" p14:dur="4000">
         <p14:vortex dir="r"/>
       </p:transition>
     </mc:Choice>
-    <mc:Fallback>
+    <mc:Fallback xmlns="">
       <p:transition spd="slow">
         <p:fade/>
       </p:transition>
@@ -3022,7 +3025,7 @@
             <a:fld id="{1160EA64-D806-43AC-9DF2-F8C432F32B4C}" type="datetimeFigureOut">
               <a:rPr lang="en-US" smtClean="0"/>
               <a:pPr/>
-              <a:t>12/3/22</a:t>
+              <a:t>12/4/22</a:t>
             </a:fld>
             <a:endParaRPr lang="en-US" dirty="0"/>
           </a:p>
@@ -3081,13 +3084,13 @@
   <p:clrMapOvr>
     <a:masterClrMapping/>
   </p:clrMapOvr>
-  <mc:AlternateContent xmlns:mc="http://schemas.openxmlformats.org/markup-compatibility/2006">
-    <mc:Choice xmlns:p14="http://schemas.microsoft.com/office/powerpoint/2010/main" Requires="p14">
+  <mc:AlternateContent xmlns:mc="http://schemas.openxmlformats.org/markup-compatibility/2006" xmlns:p14="http://schemas.microsoft.com/office/powerpoint/2010/main">
+    <mc:Choice Requires="p14">
       <p:transition spd="slow" p14:dur="4000">
         <p14:vortex dir="r"/>
       </p:transition>
     </mc:Choice>
-    <mc:Fallback>
+    <mc:Fallback xmlns="">
       <p:transition spd="slow">
         <p:fade/>
       </p:transition>
@@ -3599,7 +3602,7 @@
             <a:fld id="{1160EA64-D806-43AC-9DF2-F8C432F32B4C}" type="datetimeFigureOut">
               <a:rPr lang="en-US" smtClean="0"/>
               <a:pPr/>
-              <a:t>12/3/22</a:t>
+              <a:t>12/4/22</a:t>
             </a:fld>
             <a:endParaRPr lang="en-US" dirty="0"/>
           </a:p>
@@ -3658,13 +3661,13 @@
   <p:clrMapOvr>
     <a:masterClrMapping/>
   </p:clrMapOvr>
-  <mc:AlternateContent xmlns:mc="http://schemas.openxmlformats.org/markup-compatibility/2006">
-    <mc:Choice xmlns:p14="http://schemas.microsoft.com/office/powerpoint/2010/main" Requires="p14">
+  <mc:AlternateContent xmlns:mc="http://schemas.openxmlformats.org/markup-compatibility/2006" xmlns:p14="http://schemas.microsoft.com/office/powerpoint/2010/main">
+    <mc:Choice Requires="p14">
       <p:transition spd="slow" p14:dur="4000">
         <p14:vortex dir="r"/>
       </p:transition>
     </mc:Choice>
-    <mc:Fallback>
+    <mc:Fallback xmlns="">
       <p:transition spd="slow">
         <p:fade/>
       </p:transition>
@@ -3941,7 +3944,7 @@
             <a:fld id="{1160EA64-D806-43AC-9DF2-F8C432F32B4C}" type="datetimeFigureOut">
               <a:rPr lang="en-US" smtClean="0"/>
               <a:pPr/>
-              <a:t>12/3/22</a:t>
+              <a:t>12/4/22</a:t>
             </a:fld>
             <a:endParaRPr lang="en-US" dirty="0"/>
           </a:p>
@@ -4000,13 +4003,13 @@
   <p:clrMapOvr>
     <a:masterClrMapping/>
   </p:clrMapOvr>
-  <mc:AlternateContent xmlns:mc="http://schemas.openxmlformats.org/markup-compatibility/2006">
-    <mc:Choice xmlns:p14="http://schemas.microsoft.com/office/powerpoint/2010/main" Requires="p14">
+  <mc:AlternateContent xmlns:mc="http://schemas.openxmlformats.org/markup-compatibility/2006" xmlns:p14="http://schemas.microsoft.com/office/powerpoint/2010/main">
+    <mc:Choice Requires="p14">
       <p:transition spd="slow" p14:dur="4000">
         <p14:vortex dir="r"/>
       </p:transition>
     </mc:Choice>
-    <mc:Fallback>
+    <mc:Fallback xmlns="">
       <p:transition spd="slow">
         <p:fade/>
       </p:transition>
@@ -4167,7 +4170,7 @@
             <a:fld id="{1160EA64-D806-43AC-9DF2-F8C432F32B4C}" type="datetimeFigureOut">
               <a:rPr lang="en-US" smtClean="0"/>
               <a:pPr/>
-              <a:t>12/3/22</a:t>
+              <a:t>12/4/22</a:t>
             </a:fld>
             <a:endParaRPr lang="en-US" dirty="0"/>
           </a:p>
@@ -4226,13 +4229,13 @@
   <p:clrMapOvr>
     <a:masterClrMapping/>
   </p:clrMapOvr>
-  <mc:AlternateContent xmlns:mc="http://schemas.openxmlformats.org/markup-compatibility/2006">
-    <mc:Choice xmlns:p14="http://schemas.microsoft.com/office/powerpoint/2010/main" Requires="p14">
+  <mc:AlternateContent xmlns:mc="http://schemas.openxmlformats.org/markup-compatibility/2006" xmlns:p14="http://schemas.microsoft.com/office/powerpoint/2010/main">
+    <mc:Choice Requires="p14">
       <p:transition spd="slow" p14:dur="4000">
         <p14:vortex dir="r"/>
       </p:transition>
     </mc:Choice>
-    <mc:Fallback>
+    <mc:Fallback xmlns="">
       <p:transition spd="slow">
         <p:fade/>
       </p:transition>
@@ -4398,7 +4401,7 @@
             <a:fld id="{1160EA64-D806-43AC-9DF2-F8C432F32B4C}" type="datetimeFigureOut">
               <a:rPr lang="en-US" smtClean="0"/>
               <a:pPr/>
-              <a:t>12/3/22</a:t>
+              <a:t>12/4/22</a:t>
             </a:fld>
             <a:endParaRPr lang="en-US" dirty="0"/>
           </a:p>
@@ -4457,13 +4460,13 @@
   <p:clrMapOvr>
     <a:masterClrMapping/>
   </p:clrMapOvr>
-  <mc:AlternateContent xmlns:mc="http://schemas.openxmlformats.org/markup-compatibility/2006">
-    <mc:Choice xmlns:p14="http://schemas.microsoft.com/office/powerpoint/2010/main" Requires="p14">
+  <mc:AlternateContent xmlns:mc="http://schemas.openxmlformats.org/markup-compatibility/2006" xmlns:p14="http://schemas.microsoft.com/office/powerpoint/2010/main">
+    <mc:Choice Requires="p14">
       <p:transition spd="slow" p14:dur="4000">
         <p14:vortex dir="r"/>
       </p:transition>
     </mc:Choice>
-    <mc:Fallback>
+    <mc:Fallback xmlns="">
       <p:transition spd="slow">
         <p:fade/>
       </p:transition>
@@ -4619,7 +4622,7 @@
             <a:fld id="{1160EA64-D806-43AC-9DF2-F8C432F32B4C}" type="datetimeFigureOut">
               <a:rPr lang="en-US" smtClean="0"/>
               <a:pPr/>
-              <a:t>12/3/22</a:t>
+              <a:t>12/4/22</a:t>
             </a:fld>
             <a:endParaRPr lang="en-US" dirty="0"/>
           </a:p>
@@ -4678,13 +4681,13 @@
   <p:clrMapOvr>
     <a:masterClrMapping/>
   </p:clrMapOvr>
-  <mc:AlternateContent xmlns:mc="http://schemas.openxmlformats.org/markup-compatibility/2006">
-    <mc:Choice xmlns:p14="http://schemas.microsoft.com/office/powerpoint/2010/main" Requires="p14">
+  <mc:AlternateContent xmlns:mc="http://schemas.openxmlformats.org/markup-compatibility/2006" xmlns:p14="http://schemas.microsoft.com/office/powerpoint/2010/main">
+    <mc:Choice Requires="p14">
       <p:transition spd="slow" p14:dur="4000">
         <p14:vortex dir="r"/>
       </p:transition>
     </mc:Choice>
-    <mc:Fallback>
+    <mc:Fallback xmlns="">
       <p:transition spd="slow">
         <p:fade/>
       </p:transition>
@@ -4912,7 +4915,7 @@
             <a:fld id="{1160EA64-D806-43AC-9DF2-F8C432F32B4C}" type="datetimeFigureOut">
               <a:rPr lang="en-US" smtClean="0"/>
               <a:pPr/>
-              <a:t>12/3/22</a:t>
+              <a:t>12/4/22</a:t>
             </a:fld>
             <a:endParaRPr lang="en-US" dirty="0"/>
           </a:p>
@@ -4971,13 +4974,13 @@
   <p:clrMapOvr>
     <a:masterClrMapping/>
   </p:clrMapOvr>
-  <mc:AlternateContent xmlns:mc="http://schemas.openxmlformats.org/markup-compatibility/2006">
-    <mc:Choice xmlns:p14="http://schemas.microsoft.com/office/powerpoint/2010/main" Requires="p14">
+  <mc:AlternateContent xmlns:mc="http://schemas.openxmlformats.org/markup-compatibility/2006" xmlns:p14="http://schemas.microsoft.com/office/powerpoint/2010/main">
+    <mc:Choice Requires="p14">
       <p:transition spd="slow" p14:dur="4000">
         <p14:vortex dir="r"/>
       </p:transition>
     </mc:Choice>
-    <mc:Fallback>
+    <mc:Fallback xmlns="">
       <p:transition spd="slow">
         <p:fade/>
       </p:transition>
@@ -5193,7 +5196,7 @@
             <a:fld id="{1160EA64-D806-43AC-9DF2-F8C432F32B4C}" type="datetimeFigureOut">
               <a:rPr lang="en-US" smtClean="0"/>
               <a:pPr/>
-              <a:t>12/3/22</a:t>
+              <a:t>12/4/22</a:t>
             </a:fld>
             <a:endParaRPr lang="en-US" dirty="0"/>
           </a:p>
@@ -5252,13 +5255,13 @@
   <p:clrMapOvr>
     <a:masterClrMapping/>
   </p:clrMapOvr>
-  <mc:AlternateContent xmlns:mc="http://schemas.openxmlformats.org/markup-compatibility/2006">
-    <mc:Choice xmlns:p14="http://schemas.microsoft.com/office/powerpoint/2010/main" Requires="p14">
+  <mc:AlternateContent xmlns:mc="http://schemas.openxmlformats.org/markup-compatibility/2006" xmlns:p14="http://schemas.microsoft.com/office/powerpoint/2010/main">
+    <mc:Choice Requires="p14">
       <p:transition spd="slow" p14:dur="4000">
         <p14:vortex dir="r"/>
       </p:transition>
     </mc:Choice>
-    <mc:Fallback>
+    <mc:Fallback xmlns="">
       <p:transition spd="slow">
         <p:fade/>
       </p:transition>
@@ -5614,7 +5617,7 @@
             <a:fld id="{1160EA64-D806-43AC-9DF2-F8C432F32B4C}" type="datetimeFigureOut">
               <a:rPr lang="en-US" smtClean="0"/>
               <a:pPr/>
-              <a:t>12/3/22</a:t>
+              <a:t>12/4/22</a:t>
             </a:fld>
             <a:endParaRPr lang="en-US" dirty="0"/>
           </a:p>
@@ -5673,13 +5676,13 @@
   <p:clrMapOvr>
     <a:masterClrMapping/>
   </p:clrMapOvr>
-  <mc:AlternateContent xmlns:mc="http://schemas.openxmlformats.org/markup-compatibility/2006">
-    <mc:Choice xmlns:p14="http://schemas.microsoft.com/office/powerpoint/2010/main" Requires="p14">
+  <mc:AlternateContent xmlns:mc="http://schemas.openxmlformats.org/markup-compatibility/2006" xmlns:p14="http://schemas.microsoft.com/office/powerpoint/2010/main">
+    <mc:Choice Requires="p14">
       <p:transition spd="slow" p14:dur="4000">
         <p14:vortex dir="r"/>
       </p:transition>
     </mc:Choice>
-    <mc:Fallback>
+    <mc:Fallback xmlns="">
       <p:transition spd="slow">
         <p:fade/>
       </p:transition>
@@ -5787,7 +5790,7 @@
           <a:p>
             <a:fld id="{E1037C31-9E7A-4F99-8774-A0E530DE1A42}" type="datetimeFigureOut">
               <a:rPr lang="en-US" smtClean="0"/>
-              <a:t>12/3/22</a:t>
+              <a:t>12/4/22</a:t>
             </a:fld>
             <a:endParaRPr lang="en-US" dirty="0"/>
           </a:p>
@@ -5845,13 +5848,13 @@
   <p:clrMapOvr>
     <a:masterClrMapping/>
   </p:clrMapOvr>
-  <mc:AlternateContent xmlns:mc="http://schemas.openxmlformats.org/markup-compatibility/2006">
-    <mc:Choice xmlns:p14="http://schemas.microsoft.com/office/powerpoint/2010/main" Requires="p14">
+  <mc:AlternateContent xmlns:mc="http://schemas.openxmlformats.org/markup-compatibility/2006" xmlns:p14="http://schemas.microsoft.com/office/powerpoint/2010/main">
+    <mc:Choice Requires="p14">
       <p:transition spd="slow" p14:dur="4000">
         <p14:vortex dir="r"/>
       </p:transition>
     </mc:Choice>
-    <mc:Fallback>
+    <mc:Fallback xmlns="">
       <p:transition spd="slow">
         <p:fade/>
       </p:transition>
@@ -5925,7 +5928,7 @@
           <a:p>
             <a:fld id="{C278504F-A551-4DE0-9316-4DCD1D8CC752}" type="datetimeFigureOut">
               <a:rPr lang="en-US" smtClean="0"/>
-              <a:t>12/3/22</a:t>
+              <a:t>12/4/22</a:t>
             </a:fld>
             <a:endParaRPr lang="en-US" dirty="0"/>
           </a:p>
@@ -5983,13 +5986,13 @@
   <p:clrMapOvr>
     <a:masterClrMapping/>
   </p:clrMapOvr>
-  <mc:AlternateContent xmlns:mc="http://schemas.openxmlformats.org/markup-compatibility/2006">
-    <mc:Choice xmlns:p14="http://schemas.microsoft.com/office/powerpoint/2010/main" Requires="p14">
+  <mc:AlternateContent xmlns:mc="http://schemas.openxmlformats.org/markup-compatibility/2006" xmlns:p14="http://schemas.microsoft.com/office/powerpoint/2010/main">
+    <mc:Choice Requires="p14">
       <p:transition spd="slow" p14:dur="4000">
         <p14:vortex dir="r"/>
       </p:transition>
     </mc:Choice>
-    <mc:Fallback>
+    <mc:Fallback xmlns="">
       <p:transition spd="slow">
         <p:fade/>
       </p:transition>
@@ -6223,7 +6226,7 @@
             <a:fld id="{1160EA64-D806-43AC-9DF2-F8C432F32B4C}" type="datetimeFigureOut">
               <a:rPr lang="en-US" smtClean="0"/>
               <a:pPr/>
-              <a:t>12/3/22</a:t>
+              <a:t>12/4/22</a:t>
             </a:fld>
             <a:endParaRPr lang="en-US" dirty="0"/>
           </a:p>
@@ -6282,13 +6285,13 @@
   <p:clrMapOvr>
     <a:masterClrMapping/>
   </p:clrMapOvr>
-  <mc:AlternateContent xmlns:mc="http://schemas.openxmlformats.org/markup-compatibility/2006">
-    <mc:Choice xmlns:p14="http://schemas.microsoft.com/office/powerpoint/2010/main" Requires="p14">
+  <mc:AlternateContent xmlns:mc="http://schemas.openxmlformats.org/markup-compatibility/2006" xmlns:p14="http://schemas.microsoft.com/office/powerpoint/2010/main">
+    <mc:Choice Requires="p14">
       <p:transition spd="slow" p14:dur="4000">
         <p14:vortex dir="r"/>
       </p:transition>
     </mc:Choice>
-    <mc:Fallback>
+    <mc:Fallback xmlns="">
       <p:transition spd="slow">
         <p:fade/>
       </p:transition>
@@ -6532,7 +6535,7 @@
             <a:fld id="{1160EA64-D806-43AC-9DF2-F8C432F32B4C}" type="datetimeFigureOut">
               <a:rPr lang="en-US" smtClean="0"/>
               <a:pPr/>
-              <a:t>12/3/22</a:t>
+              <a:t>12/4/22</a:t>
             </a:fld>
             <a:endParaRPr lang="en-US" dirty="0"/>
           </a:p>
@@ -6591,13 +6594,13 @@
   <p:clrMapOvr>
     <a:masterClrMapping/>
   </p:clrMapOvr>
-  <mc:AlternateContent xmlns:mc="http://schemas.openxmlformats.org/markup-compatibility/2006">
-    <mc:Choice xmlns:p14="http://schemas.microsoft.com/office/powerpoint/2010/main" Requires="p14">
+  <mc:AlternateContent xmlns:mc="http://schemas.openxmlformats.org/markup-compatibility/2006" xmlns:p14="http://schemas.microsoft.com/office/powerpoint/2010/main">
+    <mc:Choice Requires="p14">
       <p:transition spd="slow" p14:dur="4000">
         <p14:vortex dir="r"/>
       </p:transition>
     </mc:Choice>
-    <mc:Fallback>
+    <mc:Fallback xmlns="">
       <p:transition spd="slow">
         <p:fade/>
       </p:transition>
@@ -6761,7 +6764,7 @@
             <a:fld id="{1160EA64-D806-43AC-9DF2-F8C432F32B4C}" type="datetimeFigureOut">
               <a:rPr lang="en-US" smtClean="0"/>
               <a:pPr/>
-              <a:t>12/3/22</a:t>
+              <a:t>12/4/22</a:t>
             </a:fld>
             <a:endParaRPr lang="en-US" dirty="0"/>
           </a:p>
@@ -6873,13 +6876,13 @@
     <p:sldLayoutId id="2147484100" r:id="rId16"/>
     <p:sldLayoutId id="2147484101" r:id="rId17"/>
   </p:sldLayoutIdLst>
-  <mc:AlternateContent xmlns:mc="http://schemas.openxmlformats.org/markup-compatibility/2006">
-    <mc:Choice xmlns:p14="http://schemas.microsoft.com/office/powerpoint/2010/main" Requires="p14">
+  <mc:AlternateContent xmlns:mc="http://schemas.openxmlformats.org/markup-compatibility/2006" xmlns:p14="http://schemas.microsoft.com/office/powerpoint/2010/main">
+    <mc:Choice Requires="p14">
       <p:transition spd="slow" p14:dur="4000">
         <p14:vortex dir="r"/>
       </p:transition>
     </mc:Choice>
-    <mc:Fallback>
+    <mc:Fallback xmlns="">
       <p:transition spd="slow">
         <p:fade/>
       </p:transition>
@@ -7456,13 +7459,13 @@
   <p:clrMapOvr>
     <a:masterClrMapping/>
   </p:clrMapOvr>
-  <mc:AlternateContent xmlns:mc="http://schemas.openxmlformats.org/markup-compatibility/2006">
-    <mc:Choice xmlns:p14="http://schemas.microsoft.com/office/powerpoint/2010/main" Requires="p14">
+  <mc:AlternateContent xmlns:mc="http://schemas.openxmlformats.org/markup-compatibility/2006" xmlns:p14="http://schemas.microsoft.com/office/powerpoint/2010/main">
+    <mc:Choice Requires="p14">
       <p:transition spd="slow" p14:dur="4000">
         <p14:vortex dir="r"/>
       </p:transition>
     </mc:Choice>
-    <mc:Fallback>
+    <mc:Fallback xmlns="">
       <p:transition spd="slow">
         <p:fade/>
       </p:transition>
@@ -8601,8 +8604,8 @@
           </a:p>
         </p:txBody>
       </p:sp>
-      <mc:AlternateContent xmlns:mc="http://schemas.openxmlformats.org/markup-compatibility/2006">
-        <mc:Choice xmlns:a14="http://schemas.microsoft.com/office/drawing/2010/main" Requires="a14">
+      <mc:AlternateContent xmlns:mc="http://schemas.openxmlformats.org/markup-compatibility/2006" xmlns:a14="http://schemas.microsoft.com/office/drawing/2010/main">
+        <mc:Choice Requires="a14">
           <p:sp>
             <p:nvSpPr>
               <p:cNvPr id="46" name="TextBox 45">
@@ -10198,7 +10201,7 @@
             </p:txBody>
           </p:sp>
         </mc:Choice>
-        <mc:Fallback>
+        <mc:Fallback xmlns="">
           <p:sp>
             <p:nvSpPr>
               <p:cNvPr id="46" name="TextBox 45">
@@ -10506,8 +10509,8 @@
           </a:p>
         </p:txBody>
       </p:sp>
-      <mc:AlternateContent xmlns:mc="http://schemas.openxmlformats.org/markup-compatibility/2006">
-        <mc:Choice xmlns:a14="http://schemas.microsoft.com/office/drawing/2010/main" Requires="a14">
+      <mc:AlternateContent xmlns:mc="http://schemas.openxmlformats.org/markup-compatibility/2006" xmlns:a14="http://schemas.microsoft.com/office/drawing/2010/main">
+        <mc:Choice Requires="a14">
           <p:sp>
             <p:nvSpPr>
               <p:cNvPr id="56" name="TextBox 55">
@@ -10857,7 +10860,7 @@
             </p:txBody>
           </p:sp>
         </mc:Choice>
-        <mc:Fallback>
+        <mc:Fallback xmlns="">
           <p:sp>
             <p:nvSpPr>
               <p:cNvPr id="56" name="TextBox 55">
@@ -13291,13 +13294,13 @@
   <p:clrMapOvr>
     <a:masterClrMapping/>
   </p:clrMapOvr>
-  <mc:AlternateContent xmlns:mc="http://schemas.openxmlformats.org/markup-compatibility/2006">
-    <mc:Choice xmlns:p14="http://schemas.microsoft.com/office/powerpoint/2010/main" Requires="p14">
+  <mc:AlternateContent xmlns:mc="http://schemas.openxmlformats.org/markup-compatibility/2006" xmlns:p14="http://schemas.microsoft.com/office/powerpoint/2010/main">
+    <mc:Choice Requires="p14">
       <p:transition spd="slow" p14:dur="4000">
         <p14:vortex dir="r"/>
       </p:transition>
     </mc:Choice>
-    <mc:Fallback>
+    <mc:Fallback xmlns="">
       <p:transition spd="slow">
         <p:fade/>
       </p:transition>
@@ -15546,8 +15549,8 @@
           </a:p>
         </p:txBody>
       </p:sp>
-      <mc:AlternateContent xmlns:mc="http://schemas.openxmlformats.org/markup-compatibility/2006">
-        <mc:Choice xmlns:a14="http://schemas.microsoft.com/office/drawing/2010/main" Requires="a14">
+      <mc:AlternateContent xmlns:mc="http://schemas.openxmlformats.org/markup-compatibility/2006" xmlns:a14="http://schemas.microsoft.com/office/drawing/2010/main">
+        <mc:Choice Requires="a14">
           <p:sp>
             <p:nvSpPr>
               <p:cNvPr id="46" name="TextBox 45">
@@ -17143,7 +17146,7 @@
             </p:txBody>
           </p:sp>
         </mc:Choice>
-        <mc:Fallback>
+        <mc:Fallback xmlns="">
           <p:sp>
             <p:nvSpPr>
               <p:cNvPr id="46" name="TextBox 45">
@@ -17451,8 +17454,8 @@
           </a:p>
         </p:txBody>
       </p:sp>
-      <mc:AlternateContent xmlns:mc="http://schemas.openxmlformats.org/markup-compatibility/2006">
-        <mc:Choice xmlns:a14="http://schemas.microsoft.com/office/drawing/2010/main" Requires="a14">
+      <mc:AlternateContent xmlns:mc="http://schemas.openxmlformats.org/markup-compatibility/2006" xmlns:a14="http://schemas.microsoft.com/office/drawing/2010/main">
+        <mc:Choice Requires="a14">
           <p:sp>
             <p:nvSpPr>
               <p:cNvPr id="56" name="TextBox 55">
@@ -17802,7 +17805,7 @@
             </p:txBody>
           </p:sp>
         </mc:Choice>
-        <mc:Fallback>
+        <mc:Fallback xmlns="">
           <p:sp>
             <p:nvSpPr>
               <p:cNvPr id="56" name="TextBox 55">
@@ -18018,13 +18021,13 @@
   <p:clrMapOvr>
     <a:masterClrMapping/>
   </p:clrMapOvr>
-  <mc:AlternateContent xmlns:mc="http://schemas.openxmlformats.org/markup-compatibility/2006">
-    <mc:Choice xmlns:p14="http://schemas.microsoft.com/office/powerpoint/2010/main" Requires="p14">
+  <mc:AlternateContent xmlns:mc="http://schemas.openxmlformats.org/markup-compatibility/2006" xmlns:p14="http://schemas.microsoft.com/office/powerpoint/2010/main">
+    <mc:Choice Requires="p14">
       <p:transition spd="slow" p14:dur="1250">
         <p14:switch dir="r"/>
       </p:transition>
     </mc:Choice>
-    <mc:Fallback>
+    <mc:Fallback xmlns="">
       <p:transition spd="slow">
         <p:fade/>
       </p:transition>
@@ -19272,8 +19275,8 @@
           </a:p>
         </p:txBody>
       </p:sp>
-      <mc:AlternateContent xmlns:mc="http://schemas.openxmlformats.org/markup-compatibility/2006">
-        <mc:Choice xmlns:a14="http://schemas.microsoft.com/office/drawing/2010/main" Requires="a14">
+      <mc:AlternateContent xmlns:mc="http://schemas.openxmlformats.org/markup-compatibility/2006" xmlns:a14="http://schemas.microsoft.com/office/drawing/2010/main">
+        <mc:Choice Requires="a14">
           <p:sp>
             <p:nvSpPr>
               <p:cNvPr id="46" name="TextBox 45">
@@ -20869,7 +20872,7 @@
             </p:txBody>
           </p:sp>
         </mc:Choice>
-        <mc:Fallback>
+        <mc:Fallback xmlns="">
           <p:sp>
             <p:nvSpPr>
               <p:cNvPr id="46" name="TextBox 45">
@@ -21177,8 +21180,8 @@
           </a:p>
         </p:txBody>
       </p:sp>
-      <mc:AlternateContent xmlns:mc="http://schemas.openxmlformats.org/markup-compatibility/2006">
-        <mc:Choice xmlns:a14="http://schemas.microsoft.com/office/drawing/2010/main" Requires="a14">
+      <mc:AlternateContent xmlns:mc="http://schemas.openxmlformats.org/markup-compatibility/2006" xmlns:a14="http://schemas.microsoft.com/office/drawing/2010/main">
+        <mc:Choice Requires="a14">
           <p:sp>
             <p:nvSpPr>
               <p:cNvPr id="56" name="TextBox 55">
@@ -21528,7 +21531,7 @@
             </p:txBody>
           </p:sp>
         </mc:Choice>
-        <mc:Fallback>
+        <mc:Fallback xmlns="">
           <p:sp>
             <p:nvSpPr>
               <p:cNvPr id="56" name="TextBox 55">
@@ -21744,13 +21747,13 @@
   <p:clrMapOvr>
     <a:masterClrMapping/>
   </p:clrMapOvr>
-  <mc:AlternateContent xmlns:mc="http://schemas.openxmlformats.org/markup-compatibility/2006">
-    <mc:Choice xmlns:p14="http://schemas.microsoft.com/office/powerpoint/2010/main" Requires="p14">
+  <mc:AlternateContent xmlns:mc="http://schemas.openxmlformats.org/markup-compatibility/2006" xmlns:p14="http://schemas.microsoft.com/office/powerpoint/2010/main">
+    <mc:Choice Requires="p14">
       <p:transition spd="slow" p14:dur="1250">
         <p14:switch dir="r"/>
       </p:transition>
     </mc:Choice>
-    <mc:Fallback>
+    <mc:Fallback xmlns="">
       <p:transition spd="slow">
         <p:fade/>
       </p:transition>
@@ -22998,8 +23001,8 @@
           </a:p>
         </p:txBody>
       </p:sp>
-      <mc:AlternateContent xmlns:mc="http://schemas.openxmlformats.org/markup-compatibility/2006">
-        <mc:Choice xmlns:a14="http://schemas.microsoft.com/office/drawing/2010/main" Requires="a14">
+      <mc:AlternateContent xmlns:mc="http://schemas.openxmlformats.org/markup-compatibility/2006" xmlns:a14="http://schemas.microsoft.com/office/drawing/2010/main">
+        <mc:Choice Requires="a14">
           <p:sp>
             <p:nvSpPr>
               <p:cNvPr id="46" name="TextBox 45">
@@ -24595,7 +24598,7 @@
             </p:txBody>
           </p:sp>
         </mc:Choice>
-        <mc:Fallback>
+        <mc:Fallback xmlns="">
           <p:sp>
             <p:nvSpPr>
               <p:cNvPr id="46" name="TextBox 45">
@@ -24903,8 +24906,8 @@
           </a:p>
         </p:txBody>
       </p:sp>
-      <mc:AlternateContent xmlns:mc="http://schemas.openxmlformats.org/markup-compatibility/2006">
-        <mc:Choice xmlns:a14="http://schemas.microsoft.com/office/drawing/2010/main" Requires="a14">
+      <mc:AlternateContent xmlns:mc="http://schemas.openxmlformats.org/markup-compatibility/2006" xmlns:a14="http://schemas.microsoft.com/office/drawing/2010/main">
+        <mc:Choice Requires="a14">
           <p:sp>
             <p:nvSpPr>
               <p:cNvPr id="56" name="TextBox 55">
@@ -25254,7 +25257,7 @@
             </p:txBody>
           </p:sp>
         </mc:Choice>
-        <mc:Fallback>
+        <mc:Fallback xmlns="">
           <p:sp>
             <p:nvSpPr>
               <p:cNvPr id="56" name="TextBox 55">
@@ -27905,13 +27908,13 @@
   <p:clrMapOvr>
     <a:masterClrMapping/>
   </p:clrMapOvr>
-  <mc:AlternateContent xmlns:mc="http://schemas.openxmlformats.org/markup-compatibility/2006">
-    <mc:Choice xmlns:p14="http://schemas.microsoft.com/office/powerpoint/2010/main" Requires="p14">
+  <mc:AlternateContent xmlns:mc="http://schemas.openxmlformats.org/markup-compatibility/2006" xmlns:p14="http://schemas.microsoft.com/office/powerpoint/2010/main">
+    <mc:Choice Requires="p14">
       <p:transition spd="slow" p14:dur="1400">
         <p14:ripple/>
       </p:transition>
     </mc:Choice>
-    <mc:Fallback>
+    <mc:Fallback xmlns="">
       <p:transition spd="slow">
         <p:fade/>
       </p:transition>
@@ -29179,8 +29182,8 @@
           </a:p>
         </p:txBody>
       </p:sp>
-      <mc:AlternateContent xmlns:mc="http://schemas.openxmlformats.org/markup-compatibility/2006">
-        <mc:Choice xmlns:a14="http://schemas.microsoft.com/office/drawing/2010/main" Requires="a14">
+      <mc:AlternateContent xmlns:mc="http://schemas.openxmlformats.org/markup-compatibility/2006" xmlns:a14="http://schemas.microsoft.com/office/drawing/2010/main">
+        <mc:Choice Requires="a14">
           <p:sp>
             <p:nvSpPr>
               <p:cNvPr id="46" name="TextBox 45">
@@ -30776,7 +30779,7 @@
             </p:txBody>
           </p:sp>
         </mc:Choice>
-        <mc:Fallback>
+        <mc:Fallback xmlns="">
           <p:sp>
             <p:nvSpPr>
               <p:cNvPr id="46" name="TextBox 45">
@@ -31084,8 +31087,8 @@
           </a:p>
         </p:txBody>
       </p:sp>
-      <mc:AlternateContent xmlns:mc="http://schemas.openxmlformats.org/markup-compatibility/2006">
-        <mc:Choice xmlns:a14="http://schemas.microsoft.com/office/drawing/2010/main" Requires="a14">
+      <mc:AlternateContent xmlns:mc="http://schemas.openxmlformats.org/markup-compatibility/2006" xmlns:a14="http://schemas.microsoft.com/office/drawing/2010/main">
+        <mc:Choice Requires="a14">
           <p:sp>
             <p:nvSpPr>
               <p:cNvPr id="56" name="TextBox 55">
@@ -31435,7 +31438,7 @@
             </p:txBody>
           </p:sp>
         </mc:Choice>
-        <mc:Fallback>
+        <mc:Fallback xmlns="">
           <p:sp>
             <p:nvSpPr>
               <p:cNvPr id="56" name="TextBox 55">
@@ -34136,13 +34139,13 @@
   <p:clrMapOvr>
     <a:masterClrMapping/>
   </p:clrMapOvr>
-  <mc:AlternateContent xmlns:mc="http://schemas.openxmlformats.org/markup-compatibility/2006">
-    <mc:Choice xmlns:p14="http://schemas.microsoft.com/office/powerpoint/2010/main" Requires="p14">
+  <mc:AlternateContent xmlns:mc="http://schemas.openxmlformats.org/markup-compatibility/2006" xmlns:p14="http://schemas.microsoft.com/office/powerpoint/2010/main">
+    <mc:Choice Requires="p14">
       <p:transition spd="slow" p14:dur="4000">
         <p14:vortex dir="r"/>
       </p:transition>
     </mc:Choice>
-    <mc:Fallback>
+    <mc:Fallback xmlns="">
       <p:transition spd="slow">
         <p:fade/>
       </p:transition>
@@ -35321,8 +35324,8 @@
           </a:p>
         </p:txBody>
       </p:sp>
-      <mc:AlternateContent xmlns:mc="http://schemas.openxmlformats.org/markup-compatibility/2006">
-        <mc:Choice xmlns:a14="http://schemas.microsoft.com/office/drawing/2010/main" Requires="a14">
+      <mc:AlternateContent xmlns:mc="http://schemas.openxmlformats.org/markup-compatibility/2006" xmlns:a14="http://schemas.microsoft.com/office/drawing/2010/main">
+        <mc:Choice Requires="a14">
           <p:sp>
             <p:nvSpPr>
               <p:cNvPr id="46" name="TextBox 45">
@@ -36918,7 +36921,7 @@
             </p:txBody>
           </p:sp>
         </mc:Choice>
-        <mc:Fallback>
+        <mc:Fallback xmlns="">
           <p:sp>
             <p:nvSpPr>
               <p:cNvPr id="46" name="TextBox 45">
@@ -37206,8 +37209,8 @@
           </a:p>
         </p:txBody>
       </p:sp>
-      <mc:AlternateContent xmlns:mc="http://schemas.openxmlformats.org/markup-compatibility/2006">
-        <mc:Choice xmlns:a14="http://schemas.microsoft.com/office/drawing/2010/main" Requires="a14">
+      <mc:AlternateContent xmlns:mc="http://schemas.openxmlformats.org/markup-compatibility/2006" xmlns:a14="http://schemas.microsoft.com/office/drawing/2010/main">
+        <mc:Choice Requires="a14">
           <p:sp>
             <p:nvSpPr>
               <p:cNvPr id="56" name="TextBox 55">
@@ -37561,7 +37564,7 @@
             </p:txBody>
           </p:sp>
         </mc:Choice>
-        <mc:Fallback>
+        <mc:Fallback xmlns="">
           <p:sp>
             <p:nvSpPr>
               <p:cNvPr id="56" name="TextBox 55">
@@ -39961,8 +39964,8 @@
         </p:blipFill>
         <p:spPr>
           <a:xfrm>
-            <a:off x="15268766" y="13096907"/>
-            <a:ext cx="13938714" cy="9220168"/>
+            <a:off x="17178535" y="13093204"/>
+            <a:ext cx="10353503" cy="6848626"/>
           </a:xfrm>
           <a:prstGeom prst="rect">
             <a:avLst/>
@@ -40018,7 +40021,7 @@
         </p:nvSpPr>
         <p:spPr>
           <a:xfrm>
-            <a:off x="14139096" y="24752888"/>
+            <a:off x="13950977" y="21929198"/>
             <a:ext cx="10655867" cy="1169551"/>
           </a:xfrm>
           <a:prstGeom prst="rect">
@@ -40149,7 +40152,7 @@
         </p:nvSpPr>
         <p:spPr>
           <a:xfrm>
-            <a:off x="21234151" y="22552262"/>
+            <a:off x="20991009" y="20096370"/>
             <a:ext cx="4392682" cy="477054"/>
           </a:xfrm>
           <a:prstGeom prst="rect">
@@ -40214,7 +40217,7 @@
         </p:nvSpPr>
         <p:spPr>
           <a:xfrm>
-            <a:off x="14159633" y="23399958"/>
+            <a:off x="14267064" y="20694596"/>
             <a:ext cx="16329442" cy="1769715"/>
           </a:xfrm>
           <a:prstGeom prst="rect">
@@ -40602,6 +40605,595 @@
           </a:p>
         </p:txBody>
       </p:sp>
+      <p:sp>
+        <p:nvSpPr>
+          <p:cNvPr id="3" name="TextBox 2">
+            <a:extLst>
+              <a:ext uri="{FF2B5EF4-FFF2-40B4-BE49-F238E27FC236}">
+                <a16:creationId xmlns:a16="http://schemas.microsoft.com/office/drawing/2014/main" id="{8C17F93C-AABB-C18C-0AAD-19BA9922F1CD}"/>
+              </a:ext>
+            </a:extLst>
+          </p:cNvPr>
+          <p:cNvSpPr txBox="1"/>
+          <p:nvPr/>
+        </p:nvSpPr>
+        <p:spPr>
+          <a:xfrm>
+            <a:off x="14011013" y="22997137"/>
+            <a:ext cx="16413013" cy="12480340"/>
+          </a:xfrm>
+          <a:prstGeom prst="rect">
+            <a:avLst/>
+          </a:prstGeom>
+          <a:noFill/>
+        </p:spPr>
+        <p:txBody>
+          <a:bodyPr wrap="square" rtlCol="0">
+            <a:spAutoFit/>
+          </a:bodyPr>
+          <a:lstStyle/>
+          <a:p>
+            <a:r>
+              <a:rPr lang="en-US" sz="3500" b="1" u="sng" dirty="0">
+                <a:latin typeface="Times New Roman" panose="02020603050405020304" pitchFamily="18" charset="0"/>
+                <a:cs typeface="Times New Roman" panose="02020603050405020304" pitchFamily="18" charset="0"/>
+              </a:rPr>
+              <a:t>Without Principal Components:</a:t>
+            </a:r>
+          </a:p>
+          <a:p>
+            <a:endParaRPr lang="en-US" sz="3500" dirty="0">
+              <a:latin typeface="Times New Roman" panose="02020603050405020304" pitchFamily="18" charset="0"/>
+              <a:cs typeface="Times New Roman" panose="02020603050405020304" pitchFamily="18" charset="0"/>
+            </a:endParaRPr>
+          </a:p>
+          <a:p>
+            <a:endParaRPr lang="en-US" sz="3500" dirty="0">
+              <a:latin typeface="Times New Roman" panose="02020603050405020304" pitchFamily="18" charset="0"/>
+              <a:cs typeface="Times New Roman" panose="02020603050405020304" pitchFamily="18" charset="0"/>
+            </a:endParaRPr>
+          </a:p>
+          <a:p>
+            <a:endParaRPr lang="en-US" sz="3500" dirty="0">
+              <a:latin typeface="Times New Roman" panose="02020603050405020304" pitchFamily="18" charset="0"/>
+              <a:cs typeface="Times New Roman" panose="02020603050405020304" pitchFamily="18" charset="0"/>
+            </a:endParaRPr>
+          </a:p>
+          <a:p>
+            <a:endParaRPr lang="en-US" sz="3500" dirty="0">
+              <a:latin typeface="Times New Roman" panose="02020603050405020304" pitchFamily="18" charset="0"/>
+              <a:cs typeface="Times New Roman" panose="02020603050405020304" pitchFamily="18" charset="0"/>
+            </a:endParaRPr>
+          </a:p>
+          <a:p>
+            <a:endParaRPr lang="en-US" sz="3500" dirty="0">
+              <a:latin typeface="Times New Roman" panose="02020603050405020304" pitchFamily="18" charset="0"/>
+              <a:cs typeface="Times New Roman" panose="02020603050405020304" pitchFamily="18" charset="0"/>
+            </a:endParaRPr>
+          </a:p>
+          <a:p>
+            <a:endParaRPr lang="en-US" sz="3500" dirty="0">
+              <a:latin typeface="Times New Roman" panose="02020603050405020304" pitchFamily="18" charset="0"/>
+              <a:cs typeface="Times New Roman" panose="02020603050405020304" pitchFamily="18" charset="0"/>
+            </a:endParaRPr>
+          </a:p>
+          <a:p>
+            <a:endParaRPr lang="en-US" sz="3500" dirty="0">
+              <a:latin typeface="Times New Roman" panose="02020603050405020304" pitchFamily="18" charset="0"/>
+              <a:cs typeface="Times New Roman" panose="02020603050405020304" pitchFamily="18" charset="0"/>
+            </a:endParaRPr>
+          </a:p>
+          <a:p>
+            <a:endParaRPr lang="en-US" sz="3500" dirty="0">
+              <a:latin typeface="Times New Roman" panose="02020603050405020304" pitchFamily="18" charset="0"/>
+              <a:cs typeface="Times New Roman" panose="02020603050405020304" pitchFamily="18" charset="0"/>
+            </a:endParaRPr>
+          </a:p>
+          <a:p>
+            <a:endParaRPr lang="en-US" sz="3500" dirty="0">
+              <a:latin typeface="Times New Roman" panose="02020603050405020304" pitchFamily="18" charset="0"/>
+              <a:cs typeface="Times New Roman" panose="02020603050405020304" pitchFamily="18" charset="0"/>
+            </a:endParaRPr>
+          </a:p>
+          <a:p>
+            <a:endParaRPr lang="en-US" sz="3500" dirty="0">
+              <a:latin typeface="Times New Roman" panose="02020603050405020304" pitchFamily="18" charset="0"/>
+              <a:cs typeface="Times New Roman" panose="02020603050405020304" pitchFamily="18" charset="0"/>
+            </a:endParaRPr>
+          </a:p>
+          <a:p>
+            <a:endParaRPr lang="en-US" sz="3500" dirty="0">
+              <a:latin typeface="Times New Roman" panose="02020603050405020304" pitchFamily="18" charset="0"/>
+              <a:cs typeface="Times New Roman" panose="02020603050405020304" pitchFamily="18" charset="0"/>
+            </a:endParaRPr>
+          </a:p>
+          <a:p>
+            <a:endParaRPr lang="en-US" sz="3500" dirty="0">
+              <a:latin typeface="Times New Roman" panose="02020603050405020304" pitchFamily="18" charset="0"/>
+              <a:cs typeface="Times New Roman" panose="02020603050405020304" pitchFamily="18" charset="0"/>
+            </a:endParaRPr>
+          </a:p>
+          <a:p>
+            <a:endParaRPr lang="en-US" sz="3500" dirty="0">
+              <a:latin typeface="Times New Roman" panose="02020603050405020304" pitchFamily="18" charset="0"/>
+              <a:cs typeface="Times New Roman" panose="02020603050405020304" pitchFamily="18" charset="0"/>
+            </a:endParaRPr>
+          </a:p>
+          <a:p>
+            <a:endParaRPr lang="en-US" sz="3500" dirty="0">
+              <a:latin typeface="Times New Roman" panose="02020603050405020304" pitchFamily="18" charset="0"/>
+              <a:cs typeface="Times New Roman" panose="02020603050405020304" pitchFamily="18" charset="0"/>
+            </a:endParaRPr>
+          </a:p>
+          <a:p>
+            <a:endParaRPr lang="en-US" sz="3500" dirty="0">
+              <a:latin typeface="Times New Roman" panose="02020603050405020304" pitchFamily="18" charset="0"/>
+              <a:cs typeface="Times New Roman" panose="02020603050405020304" pitchFamily="18" charset="0"/>
+            </a:endParaRPr>
+          </a:p>
+          <a:p>
+            <a:endParaRPr lang="en-US" sz="3500" dirty="0">
+              <a:latin typeface="Times New Roman" panose="02020603050405020304" pitchFamily="18" charset="0"/>
+              <a:cs typeface="Times New Roman" panose="02020603050405020304" pitchFamily="18" charset="0"/>
+            </a:endParaRPr>
+          </a:p>
+          <a:p>
+            <a:endParaRPr lang="en-US" sz="3500" dirty="0">
+              <a:latin typeface="Times New Roman" panose="02020603050405020304" pitchFamily="18" charset="0"/>
+              <a:cs typeface="Times New Roman" panose="02020603050405020304" pitchFamily="18" charset="0"/>
+            </a:endParaRPr>
+          </a:p>
+          <a:p>
+            <a:endParaRPr lang="en-US" sz="3500" dirty="0">
+              <a:latin typeface="Times New Roman" panose="02020603050405020304" pitchFamily="18" charset="0"/>
+              <a:cs typeface="Times New Roman" panose="02020603050405020304" pitchFamily="18" charset="0"/>
+            </a:endParaRPr>
+          </a:p>
+          <a:p>
+            <a:endParaRPr lang="en-US" sz="3500" dirty="0">
+              <a:latin typeface="Times New Roman" panose="02020603050405020304" pitchFamily="18" charset="0"/>
+              <a:cs typeface="Times New Roman" panose="02020603050405020304" pitchFamily="18" charset="0"/>
+            </a:endParaRPr>
+          </a:p>
+          <a:p>
+            <a:endParaRPr lang="en-US" sz="3500" dirty="0">
+              <a:latin typeface="Times New Roman" panose="02020603050405020304" pitchFamily="18" charset="0"/>
+              <a:cs typeface="Times New Roman" panose="02020603050405020304" pitchFamily="18" charset="0"/>
+            </a:endParaRPr>
+          </a:p>
+          <a:p>
+            <a:endParaRPr lang="en-US" sz="3500" dirty="0">
+              <a:latin typeface="Times New Roman" panose="02020603050405020304" pitchFamily="18" charset="0"/>
+              <a:cs typeface="Times New Roman" panose="02020603050405020304" pitchFamily="18" charset="0"/>
+            </a:endParaRPr>
+          </a:p>
+          <a:p>
+            <a:endParaRPr lang="en-US" sz="3500" dirty="0">
+              <a:latin typeface="Times New Roman" panose="02020603050405020304" pitchFamily="18" charset="0"/>
+              <a:cs typeface="Times New Roman" panose="02020603050405020304" pitchFamily="18" charset="0"/>
+            </a:endParaRPr>
+          </a:p>
+        </p:txBody>
+      </p:sp>
+      <p:graphicFrame>
+        <p:nvGraphicFramePr>
+          <p:cNvPr id="10" name="Table 12">
+            <a:extLst>
+              <a:ext uri="{FF2B5EF4-FFF2-40B4-BE49-F238E27FC236}">
+                <a16:creationId xmlns:a16="http://schemas.microsoft.com/office/drawing/2014/main" id="{B9532135-B3E5-EBA4-8919-D3CE14AFB849}"/>
+              </a:ext>
+            </a:extLst>
+          </p:cNvPr>
+          <p:cNvGraphicFramePr>
+            <a:graphicFrameLocks noGrp="1"/>
+          </p:cNvGraphicFramePr>
+          <p:nvPr>
+            <p:extLst>
+              <p:ext uri="{D42A27DB-BD31-4B8C-83A1-F6EECF244321}">
+                <p14:modId xmlns:p14="http://schemas.microsoft.com/office/powerpoint/2010/main" val="3091817474"/>
+              </p:ext>
+            </p:extLst>
+          </p:nvPr>
+        </p:nvGraphicFramePr>
+        <p:xfrm>
+          <a:off x="14150703" y="23795440"/>
+          <a:ext cx="7687548" cy="7086600"/>
+        </p:xfrm>
+        <a:graphic>
+          <a:graphicData uri="http://schemas.openxmlformats.org/drawingml/2006/table">
+            <a:tbl>
+              <a:tblPr firstRow="1" bandRow="1">
+                <a:tableStyleId>{B301B821-A1FF-4177-AEE7-76D212191A09}</a:tableStyleId>
+              </a:tblPr>
+              <a:tblGrid>
+                <a:gridCol w="1921887">
+                  <a:extLst>
+                    <a:ext uri="{9D8B030D-6E8A-4147-A177-3AD203B41FA5}">
+                      <a16:colId xmlns:a16="http://schemas.microsoft.com/office/drawing/2014/main" val="1179831576"/>
+                    </a:ext>
+                  </a:extLst>
+                </a:gridCol>
+                <a:gridCol w="1921887">
+                  <a:extLst>
+                    <a:ext uri="{9D8B030D-6E8A-4147-A177-3AD203B41FA5}">
+                      <a16:colId xmlns:a16="http://schemas.microsoft.com/office/drawing/2014/main" val="2994709502"/>
+                    </a:ext>
+                  </a:extLst>
+                </a:gridCol>
+                <a:gridCol w="1921887">
+                  <a:extLst>
+                    <a:ext uri="{9D8B030D-6E8A-4147-A177-3AD203B41FA5}">
+                      <a16:colId xmlns:a16="http://schemas.microsoft.com/office/drawing/2014/main" val="136647063"/>
+                    </a:ext>
+                  </a:extLst>
+                </a:gridCol>
+                <a:gridCol w="1921887">
+                  <a:extLst>
+                    <a:ext uri="{9D8B030D-6E8A-4147-A177-3AD203B41FA5}">
+                      <a16:colId xmlns:a16="http://schemas.microsoft.com/office/drawing/2014/main" val="1214156025"/>
+                    </a:ext>
+                  </a:extLst>
+                </a:gridCol>
+              </a:tblGrid>
+              <a:tr h="760443">
+                <a:tc>
+                  <a:txBody>
+                    <a:bodyPr/>
+                    <a:lstStyle/>
+                    <a:p>
+                      <a:r>
+                        <a:rPr lang="en-US" sz="3300" dirty="0"/>
+                        <a:t>Predictors</a:t>
+                      </a:r>
+                    </a:p>
+                  </a:txBody>
+                  <a:tcPr/>
+                </a:tc>
+                <a:tc>
+                  <a:txBody>
+                    <a:bodyPr/>
+                    <a:lstStyle/>
+                    <a:p>
+                      <a:r>
+                        <a:rPr lang="en-US" sz="3300" dirty="0"/>
+                        <a:t>Estimate</a:t>
+                      </a:r>
+                    </a:p>
+                  </a:txBody>
+                  <a:tcPr/>
+                </a:tc>
+                <a:tc>
+                  <a:txBody>
+                    <a:bodyPr/>
+                    <a:lstStyle/>
+                    <a:p>
+                      <a:r>
+                        <a:rPr lang="en-US" sz="3300" dirty="0"/>
+                        <a:t>Mean 0</a:t>
+                      </a:r>
+                    </a:p>
+                  </a:txBody>
+                  <a:tcPr/>
+                </a:tc>
+                <a:tc>
+                  <a:txBody>
+                    <a:bodyPr/>
+                    <a:lstStyle/>
+                    <a:p>
+                      <a:r>
+                        <a:rPr lang="en-US" sz="3300" dirty="0"/>
+                        <a:t>Mean 1</a:t>
+                      </a:r>
+                    </a:p>
+                  </a:txBody>
+                  <a:tcPr/>
+                </a:tc>
+                <a:extLst>
+                  <a:ext uri="{0D108BD9-81ED-4DB2-BD59-A6C34878D82A}">
+                    <a16:rowId xmlns:a16="http://schemas.microsoft.com/office/drawing/2014/main" val="3368334157"/>
+                  </a:ext>
+                </a:extLst>
+              </a:tr>
+              <a:tr h="967669">
+                <a:tc>
+                  <a:txBody>
+                    <a:bodyPr/>
+                    <a:lstStyle/>
+                    <a:p>
+                      <a:r>
+                        <a:rPr lang="en-US" sz="3300" dirty="0"/>
+                        <a:t>fcfps</a:t>
+                      </a:r>
+                    </a:p>
+                  </a:txBody>
+                  <a:tcPr/>
+                </a:tc>
+                <a:tc>
+                  <a:txBody>
+                    <a:bodyPr/>
+                    <a:lstStyle/>
+                    <a:p>
+                      <a:r>
+                        <a:rPr lang="en-US" sz="3300" dirty="0"/>
+                        <a:t>0.43381058</a:t>
+                      </a:r>
+                    </a:p>
+                  </a:txBody>
+                  <a:tcPr/>
+                </a:tc>
+                <a:tc>
+                  <a:txBody>
+                    <a:bodyPr/>
+                    <a:lstStyle/>
+                    <a:p>
+                      <a:r>
+                        <a:rPr lang="en-US" sz="3300" dirty="0"/>
+                        <a:t>1.500102 </a:t>
+                      </a:r>
+                    </a:p>
+                  </a:txBody>
+                  <a:tcPr/>
+                </a:tc>
+                <a:tc>
+                  <a:txBody>
+                    <a:bodyPr/>
+                    <a:lstStyle/>
+                    <a:p>
+                      <a:r>
+                        <a:rPr lang="en-US" sz="3300" dirty="0"/>
+                        <a:t>3.001667</a:t>
+                      </a:r>
+                    </a:p>
+                  </a:txBody>
+                  <a:tcPr/>
+                </a:tc>
+                <a:extLst>
+                  <a:ext uri="{0D108BD9-81ED-4DB2-BD59-A6C34878D82A}">
+                    <a16:rowId xmlns:a16="http://schemas.microsoft.com/office/drawing/2014/main" val="2765664183"/>
+                  </a:ext>
+                </a:extLst>
+              </a:tr>
+              <a:tr h="967669">
+                <a:tc>
+                  <a:txBody>
+                    <a:bodyPr/>
+                    <a:lstStyle/>
+                    <a:p>
+                      <a:r>
+                        <a:rPr lang="en-US" sz="3300" dirty="0"/>
+                        <a:t>Earn</a:t>
+                      </a:r>
+                    </a:p>
+                  </a:txBody>
+                  <a:tcPr/>
+                </a:tc>
+                <a:tc>
+                  <a:txBody>
+                    <a:bodyPr/>
+                    <a:lstStyle/>
+                    <a:p>
+                      <a:r>
+                        <a:rPr lang="en-US" sz="3300" dirty="0"/>
+                        <a:t>0.02796535</a:t>
+                      </a:r>
+                    </a:p>
+                  </a:txBody>
+                  <a:tcPr/>
+                </a:tc>
+                <a:tc>
+                  <a:txBody>
+                    <a:bodyPr/>
+                    <a:lstStyle/>
+                    <a:p>
+                      <a:r>
+                        <a:rPr lang="en-US" sz="3300" dirty="0"/>
+                        <a:t>5.908571</a:t>
+                      </a:r>
+                    </a:p>
+                  </a:txBody>
+                  <a:tcPr/>
+                </a:tc>
+                <a:tc>
+                  <a:txBody>
+                    <a:bodyPr/>
+                    <a:lstStyle/>
+                    <a:p>
+                      <a:r>
+                        <a:rPr lang="en-US" sz="3300" dirty="0"/>
+                        <a:t>17.053627</a:t>
+                      </a:r>
+                    </a:p>
+                  </a:txBody>
+                  <a:tcPr/>
+                </a:tc>
+                <a:extLst>
+                  <a:ext uri="{0D108BD9-81ED-4DB2-BD59-A6C34878D82A}">
+                    <a16:rowId xmlns:a16="http://schemas.microsoft.com/office/drawing/2014/main" val="2255122320"/>
+                  </a:ext>
+                </a:extLst>
+              </a:tr>
+              <a:tr h="1411183">
+                <a:tc>
+                  <a:txBody>
+                    <a:bodyPr/>
+                    <a:lstStyle/>
+                    <a:p>
+                      <a:r>
+                        <a:rPr lang="en-US" sz="3300" dirty="0"/>
+                        <a:t>DE</a:t>
+                      </a:r>
+                    </a:p>
+                  </a:txBody>
+                  <a:tcPr/>
+                </a:tc>
+                <a:tc>
+                  <a:txBody>
+                    <a:bodyPr/>
+                    <a:lstStyle/>
+                    <a:p>
+                      <a:r>
+                        <a:rPr lang="en-US" sz="3300" dirty="0"/>
+                        <a:t>-0.27450660</a:t>
+                      </a:r>
+                    </a:p>
+                  </a:txBody>
+                  <a:tcPr/>
+                </a:tc>
+                <a:tc>
+                  <a:txBody>
+                    <a:bodyPr/>
+                    <a:lstStyle/>
+                    <a:p>
+                      <a:r>
+                        <a:rPr lang="en-US" sz="3300" dirty="0"/>
+                        <a:t>2.585918</a:t>
+                      </a:r>
+                    </a:p>
+                  </a:txBody>
+                  <a:tcPr/>
+                </a:tc>
+                <a:tc>
+                  <a:txBody>
+                    <a:bodyPr/>
+                    <a:lstStyle/>
+                    <a:p>
+                      <a:r>
+                        <a:rPr lang="en-US" sz="3300" dirty="0"/>
+                        <a:t>1.708431</a:t>
+                      </a:r>
+                    </a:p>
+                  </a:txBody>
+                  <a:tcPr/>
+                </a:tc>
+                <a:extLst>
+                  <a:ext uri="{0D108BD9-81ED-4DB2-BD59-A6C34878D82A}">
+                    <a16:rowId xmlns:a16="http://schemas.microsoft.com/office/drawing/2014/main" val="1697968591"/>
+                  </a:ext>
+                </a:extLst>
+              </a:tr>
+              <a:tr h="967669">
+                <a:tc>
+                  <a:txBody>
+                    <a:bodyPr/>
+                    <a:lstStyle/>
+                    <a:p>
+                      <a:r>
+                        <a:rPr lang="en-US" sz="3300" dirty="0" err="1"/>
+                        <a:t>MCap</a:t>
+                      </a:r>
+                      <a:endParaRPr lang="en-US" sz="3300" dirty="0"/>
+                    </a:p>
+                  </a:txBody>
+                  <a:tcPr/>
+                </a:tc>
+                <a:tc>
+                  <a:txBody>
+                    <a:bodyPr/>
+                    <a:lstStyle/>
+                    <a:p>
+                      <a:r>
+                        <a:rPr lang="en-US" sz="3300" dirty="0"/>
+                        <a:t>0.00514127</a:t>
+                      </a:r>
+                    </a:p>
+                  </a:txBody>
+                  <a:tcPr/>
+                </a:tc>
+                <a:tc>
+                  <a:txBody>
+                    <a:bodyPr/>
+                    <a:lstStyle/>
+                    <a:p>
+                      <a:r>
+                        <a:rPr lang="en-US" sz="3300" dirty="0"/>
+                        <a:t>280.0408</a:t>
+                      </a:r>
+                    </a:p>
+                  </a:txBody>
+                  <a:tcPr/>
+                </a:tc>
+                <a:tc>
+                  <a:txBody>
+                    <a:bodyPr/>
+                    <a:lstStyle/>
+                    <a:p>
+                      <a:r>
+                        <a:rPr lang="en-US" sz="3300" dirty="0"/>
+                        <a:t>550.4118 </a:t>
+                      </a:r>
+                    </a:p>
+                  </a:txBody>
+                  <a:tcPr/>
+                </a:tc>
+                <a:extLst>
+                  <a:ext uri="{0D108BD9-81ED-4DB2-BD59-A6C34878D82A}">
+                    <a16:rowId xmlns:a16="http://schemas.microsoft.com/office/drawing/2014/main" val="3440067553"/>
+                  </a:ext>
+                </a:extLst>
+              </a:tr>
+              <a:tr h="967669">
+                <a:tc>
+                  <a:txBody>
+                    <a:bodyPr/>
+                    <a:lstStyle/>
+                    <a:p>
+                      <a:r>
+                        <a:rPr lang="en-US" sz="3300" dirty="0"/>
+                        <a:t>CR</a:t>
+                      </a:r>
+                    </a:p>
+                  </a:txBody>
+                  <a:tcPr/>
+                </a:tc>
+                <a:tc>
+                  <a:txBody>
+                    <a:bodyPr/>
+                    <a:lstStyle/>
+                    <a:p>
+                      <a:r>
+                        <a:rPr lang="en-US" sz="3300" dirty="0"/>
+                        <a:t>0.86400978</a:t>
+                      </a:r>
+                    </a:p>
+                  </a:txBody>
+                  <a:tcPr/>
+                </a:tc>
+                <a:tc>
+                  <a:txBody>
+                    <a:bodyPr/>
+                    <a:lstStyle/>
+                    <a:p>
+                      <a:r>
+                        <a:rPr lang="en-US" sz="3300" dirty="0"/>
+                        <a:t>1.063171</a:t>
+                      </a:r>
+                    </a:p>
+                  </a:txBody>
+                  <a:tcPr/>
+                </a:tc>
+                <a:tc>
+                  <a:txBody>
+                    <a:bodyPr/>
+                    <a:lstStyle/>
+                    <a:p>
+                      <a:r>
+                        <a:rPr lang="en-US" sz="3300" dirty="0"/>
+                        <a:t>1.924120</a:t>
+                      </a:r>
+                    </a:p>
+                  </a:txBody>
+                  <a:tcPr/>
+                </a:tc>
+                <a:extLst>
+                  <a:ext uri="{0D108BD9-81ED-4DB2-BD59-A6C34878D82A}">
+                    <a16:rowId xmlns:a16="http://schemas.microsoft.com/office/drawing/2014/main" val="801295410"/>
+                  </a:ext>
+                </a:extLst>
+              </a:tr>
+            </a:tbl>
+          </a:graphicData>
+        </a:graphic>
+      </p:graphicFrame>
     </p:spTree>
     <p:extLst>
       <p:ext uri="{BB962C8B-B14F-4D97-AF65-F5344CB8AC3E}">
@@ -40612,13 +41204,13 @@
   <p:clrMapOvr>
     <a:masterClrMapping/>
   </p:clrMapOvr>
-  <mc:AlternateContent xmlns:mc="http://schemas.openxmlformats.org/markup-compatibility/2006">
-    <mc:Choice xmlns:p14="http://schemas.microsoft.com/office/powerpoint/2010/main" Requires="p14">
+  <mc:AlternateContent xmlns:mc="http://schemas.openxmlformats.org/markup-compatibility/2006" xmlns:p14="http://schemas.microsoft.com/office/powerpoint/2010/main">
+    <mc:Choice Requires="p14">
       <p:transition spd="slow" p14:dur="4000">
         <p14:vortex dir="r"/>
       </p:transition>
     </mc:Choice>
-    <mc:Fallback>
+    <mc:Fallback xmlns="">
       <p:transition spd="slow">
         <p:fade/>
       </p:transition>

--- a/Presentation/4630_DividendPres_v1.pptx
+++ b/Presentation/4630_DividendPres_v1.pptx
@@ -1279,7 +1279,7 @@
             <a:fld id="{1160EA64-D806-43AC-9DF2-F8C432F32B4C}" type="datetimeFigureOut">
               <a:rPr lang="en-US" smtClean="0"/>
               <a:pPr/>
-              <a:t>12/5/22</a:t>
+              <a:t>12/13/22</a:t>
             </a:fld>
             <a:endParaRPr lang="en-US" dirty="0"/>
           </a:p>
@@ -1569,7 +1569,7 @@
             <a:fld id="{1160EA64-D806-43AC-9DF2-F8C432F32B4C}" type="datetimeFigureOut">
               <a:rPr lang="en-US" smtClean="0"/>
               <a:pPr/>
-              <a:t>12/5/22</a:t>
+              <a:t>12/13/22</a:t>
             </a:fld>
             <a:endParaRPr lang="en-US" dirty="0"/>
           </a:p>
@@ -1766,7 +1766,7 @@
             <a:fld id="{1160EA64-D806-43AC-9DF2-F8C432F32B4C}" type="datetimeFigureOut">
               <a:rPr lang="en-US" smtClean="0"/>
               <a:pPr/>
-              <a:t>12/5/22</a:t>
+              <a:t>12/13/22</a:t>
             </a:fld>
             <a:endParaRPr lang="en-US" dirty="0"/>
           </a:p>
@@ -2042,7 +2042,7 @@
             <a:fld id="{1160EA64-D806-43AC-9DF2-F8C432F32B4C}" type="datetimeFigureOut">
               <a:rPr lang="en-US" smtClean="0"/>
               <a:pPr/>
-              <a:t>12/5/22</a:t>
+              <a:t>12/13/22</a:t>
             </a:fld>
             <a:endParaRPr lang="en-US" dirty="0"/>
           </a:p>
@@ -2386,7 +2386,7 @@
             <a:fld id="{1160EA64-D806-43AC-9DF2-F8C432F32B4C}" type="datetimeFigureOut">
               <a:rPr lang="en-US" smtClean="0"/>
               <a:pPr/>
-              <a:t>12/5/22</a:t>
+              <a:t>12/13/22</a:t>
             </a:fld>
             <a:endParaRPr lang="en-US" dirty="0"/>
           </a:p>
@@ -3012,7 +3012,7 @@
             <a:fld id="{1160EA64-D806-43AC-9DF2-F8C432F32B4C}" type="datetimeFigureOut">
               <a:rPr lang="en-US" smtClean="0"/>
               <a:pPr/>
-              <a:t>12/5/22</a:t>
+              <a:t>12/13/22</a:t>
             </a:fld>
             <a:endParaRPr lang="en-US" dirty="0"/>
           </a:p>
@@ -3875,7 +3875,7 @@
             <a:fld id="{1160EA64-D806-43AC-9DF2-F8C432F32B4C}" type="datetimeFigureOut">
               <a:rPr lang="en-US" smtClean="0"/>
               <a:pPr/>
-              <a:t>12/5/22</a:t>
+              <a:t>12/13/22</a:t>
             </a:fld>
             <a:endParaRPr lang="en-US" dirty="0"/>
           </a:p>
@@ -4048,7 +4048,7 @@
             <a:fld id="{1160EA64-D806-43AC-9DF2-F8C432F32B4C}" type="datetimeFigureOut">
               <a:rPr lang="en-US" smtClean="0"/>
               <a:pPr/>
-              <a:t>12/5/22</a:t>
+              <a:t>12/13/22</a:t>
             </a:fld>
             <a:endParaRPr lang="en-US" dirty="0"/>
           </a:p>
@@ -4243,7 +4243,7 @@
             <a:fld id="{1160EA64-D806-43AC-9DF2-F8C432F32B4C}" type="datetimeFigureOut">
               <a:rPr lang="en-US" smtClean="0"/>
               <a:pPr/>
-              <a:t>12/5/22</a:t>
+              <a:t>12/13/22</a:t>
             </a:fld>
             <a:endParaRPr lang="en-US" dirty="0"/>
           </a:p>
@@ -4428,7 +4428,7 @@
             <a:fld id="{1160EA64-D806-43AC-9DF2-F8C432F32B4C}" type="datetimeFigureOut">
               <a:rPr lang="en-US" smtClean="0"/>
               <a:pPr/>
-              <a:t>12/5/22</a:t>
+              <a:t>12/13/22</a:t>
             </a:fld>
             <a:endParaRPr lang="en-US" dirty="0"/>
           </a:p>
@@ -4690,7 +4690,7 @@
             <a:fld id="{1160EA64-D806-43AC-9DF2-F8C432F32B4C}" type="datetimeFigureOut">
               <a:rPr lang="en-US" smtClean="0"/>
               <a:pPr/>
-              <a:t>12/5/22</a:t>
+              <a:t>12/13/22</a:t>
             </a:fld>
             <a:endParaRPr lang="en-US" dirty="0"/>
           </a:p>
@@ -4997,7 +4997,7 @@
             <a:fld id="{1160EA64-D806-43AC-9DF2-F8C432F32B4C}" type="datetimeFigureOut">
               <a:rPr lang="en-US" smtClean="0"/>
               <a:pPr/>
-              <a:t>12/5/22</a:t>
+              <a:t>12/13/22</a:t>
             </a:fld>
             <a:endParaRPr lang="en-US" dirty="0"/>
           </a:p>
@@ -5456,7 +5456,7 @@
             <a:fld id="{1160EA64-D806-43AC-9DF2-F8C432F32B4C}" type="datetimeFigureOut">
               <a:rPr lang="en-US" smtClean="0"/>
               <a:pPr/>
-              <a:t>12/5/22</a:t>
+              <a:t>12/13/22</a:t>
             </a:fld>
             <a:endParaRPr lang="en-US" dirty="0"/>
           </a:p>
@@ -5588,7 +5588,7 @@
           <a:p>
             <a:fld id="{E1037C31-9E7A-4F99-8774-A0E530DE1A42}" type="datetimeFigureOut">
               <a:rPr lang="en-US" smtClean="0"/>
-              <a:t>12/5/22</a:t>
+              <a:t>12/13/22</a:t>
             </a:fld>
             <a:endParaRPr lang="en-US" dirty="0"/>
           </a:p>
@@ -5696,7 +5696,7 @@
           <a:p>
             <a:fld id="{C278504F-A551-4DE0-9316-4DCD1D8CC752}" type="datetimeFigureOut">
               <a:rPr lang="en-US" smtClean="0"/>
-              <a:t>12/5/22</a:t>
+              <a:t>12/13/22</a:t>
             </a:fld>
             <a:endParaRPr lang="en-US" dirty="0"/>
           </a:p>
@@ -5988,7 +5988,7 @@
             <a:fld id="{1160EA64-D806-43AC-9DF2-F8C432F32B4C}" type="datetimeFigureOut">
               <a:rPr lang="en-US" smtClean="0"/>
               <a:pPr/>
-              <a:t>12/5/22</a:t>
+              <a:t>12/13/22</a:t>
             </a:fld>
             <a:endParaRPr lang="en-US" dirty="0"/>
           </a:p>
@@ -6278,7 +6278,7 @@
             <a:fld id="{1160EA64-D806-43AC-9DF2-F8C432F32B4C}" type="datetimeFigureOut">
               <a:rPr lang="en-US" smtClean="0"/>
               <a:pPr/>
-              <a:t>12/5/22</a:t>
+              <a:t>12/13/22</a:t>
             </a:fld>
             <a:endParaRPr lang="en-US" dirty="0"/>
           </a:p>
@@ -6858,7 +6858,7 @@
             <a:fld id="{1160EA64-D806-43AC-9DF2-F8C432F32B4C}" type="datetimeFigureOut">
               <a:rPr lang="en-US" smtClean="0"/>
               <a:pPr/>
-              <a:t>12/5/22</a:t>
+              <a:t>12/13/22</a:t>
             </a:fld>
             <a:endParaRPr lang="en-US" dirty="0"/>
           </a:p>
@@ -8862,8 +8862,8 @@
           </a:p>
         </p:txBody>
       </p:sp>
-      <mc:AlternateContent xmlns:mc="http://schemas.openxmlformats.org/markup-compatibility/2006">
-        <mc:Choice xmlns:a14="http://schemas.microsoft.com/office/drawing/2010/main" Requires="a14">
+      <mc:AlternateContent xmlns:mc="http://schemas.openxmlformats.org/markup-compatibility/2006" xmlns:a14="http://schemas.microsoft.com/office/drawing/2010/main">
+        <mc:Choice Requires="a14">
           <p:sp>
             <p:nvSpPr>
               <p:cNvPr id="46" name="TextBox 45">
@@ -10451,7 +10451,7 @@
             </p:txBody>
           </p:sp>
         </mc:Choice>
-        <mc:Fallback>
+        <mc:Fallback xmlns="">
           <p:sp>
             <p:nvSpPr>
               <p:cNvPr id="46" name="TextBox 45">
@@ -10726,8 +10726,8 @@
           </a:p>
         </p:txBody>
       </p:sp>
-      <mc:AlternateContent xmlns:mc="http://schemas.openxmlformats.org/markup-compatibility/2006">
-        <mc:Choice xmlns:a14="http://schemas.microsoft.com/office/drawing/2010/main" Requires="a14">
+      <mc:AlternateContent xmlns:mc="http://schemas.openxmlformats.org/markup-compatibility/2006" xmlns:a14="http://schemas.microsoft.com/office/drawing/2010/main">
+        <mc:Choice Requires="a14">
           <p:sp>
             <p:nvSpPr>
               <p:cNvPr id="56" name="TextBox 55">
@@ -11106,7 +11106,7 @@
             </p:txBody>
           </p:sp>
         </mc:Choice>
-        <mc:Fallback>
+        <mc:Fallback xmlns="">
           <p:sp>
             <p:nvSpPr>
               <p:cNvPr id="56" name="TextBox 55">
@@ -13925,13 +13925,13 @@
   <p:clrMapOvr>
     <a:masterClrMapping/>
   </p:clrMapOvr>
-  <mc:AlternateContent xmlns:mc="http://schemas.openxmlformats.org/markup-compatibility/2006">
-    <mc:Choice xmlns:p14="http://schemas.microsoft.com/office/powerpoint/2010/main" Requires="p14">
+  <mc:AlternateContent xmlns:mc="http://schemas.openxmlformats.org/markup-compatibility/2006" xmlns:p14="http://schemas.microsoft.com/office/powerpoint/2010/main">
+    <mc:Choice Requires="p14">
       <p:transition spd="slow" p14:dur="4000">
         <p14:vortex dir="r"/>
       </p:transition>
     </mc:Choice>
-    <mc:Fallback>
+    <mc:Fallback xmlns="">
       <p:transition spd="slow">
         <p:fade/>
       </p:transition>
@@ -16321,8 +16321,8 @@
           </a:p>
         </p:txBody>
       </p:sp>
-      <mc:AlternateContent xmlns:mc="http://schemas.openxmlformats.org/markup-compatibility/2006">
-        <mc:Choice xmlns:a14="http://schemas.microsoft.com/office/drawing/2010/main" Requires="a14">
+      <mc:AlternateContent xmlns:mc="http://schemas.openxmlformats.org/markup-compatibility/2006" xmlns:a14="http://schemas.microsoft.com/office/drawing/2010/main">
+        <mc:Choice Requires="a14">
           <p:sp>
             <p:nvSpPr>
               <p:cNvPr id="46" name="TextBox 45">
@@ -17910,7 +17910,7 @@
             </p:txBody>
           </p:sp>
         </mc:Choice>
-        <mc:Fallback>
+        <mc:Fallback xmlns="">
           <p:sp>
             <p:nvSpPr>
               <p:cNvPr id="46" name="TextBox 45">
@@ -18185,8 +18185,8 @@
           </a:p>
         </p:txBody>
       </p:sp>
-      <mc:AlternateContent xmlns:mc="http://schemas.openxmlformats.org/markup-compatibility/2006">
-        <mc:Choice xmlns:a14="http://schemas.microsoft.com/office/drawing/2010/main" Requires="a14">
+      <mc:AlternateContent xmlns:mc="http://schemas.openxmlformats.org/markup-compatibility/2006" xmlns:a14="http://schemas.microsoft.com/office/drawing/2010/main">
+        <mc:Choice Requires="a14">
           <p:sp>
             <p:nvSpPr>
               <p:cNvPr id="56" name="TextBox 55">
@@ -18565,7 +18565,7 @@
             </p:txBody>
           </p:sp>
         </mc:Choice>
-        <mc:Fallback>
+        <mc:Fallback xmlns="">
           <p:sp>
             <p:nvSpPr>
               <p:cNvPr id="56" name="TextBox 55">
@@ -22654,13 +22654,13 @@
   <p:clrMapOvr>
     <a:masterClrMapping/>
   </p:clrMapOvr>
-  <mc:AlternateContent xmlns:mc="http://schemas.openxmlformats.org/markup-compatibility/2006">
-    <mc:Choice xmlns:p14="http://schemas.microsoft.com/office/powerpoint/2010/main" Requires="p14">
+  <mc:AlternateContent xmlns:mc="http://schemas.openxmlformats.org/markup-compatibility/2006" xmlns:p14="http://schemas.microsoft.com/office/powerpoint/2010/main">
+    <mc:Choice Requires="p14">
       <p:transition spd="slow" p14:dur="1400">
         <p14:ripple/>
       </p:transition>
     </mc:Choice>
-    <mc:Fallback>
+    <mc:Fallback xmlns="">
       <p:transition spd="slow">
         <p:fade/>
       </p:transition>
@@ -24258,8 +24258,8 @@
           </a:p>
         </p:txBody>
       </p:sp>
-      <mc:AlternateContent xmlns:mc="http://schemas.openxmlformats.org/markup-compatibility/2006">
-        <mc:Choice xmlns:a14="http://schemas.microsoft.com/office/drawing/2010/main" Requires="a14">
+      <mc:AlternateContent xmlns:mc="http://schemas.openxmlformats.org/markup-compatibility/2006" xmlns:a14="http://schemas.microsoft.com/office/drawing/2010/main">
+        <mc:Choice Requires="a14">
           <p:sp>
             <p:nvSpPr>
               <p:cNvPr id="46" name="TextBox 45">
@@ -25847,7 +25847,7 @@
             </p:txBody>
           </p:sp>
         </mc:Choice>
-        <mc:Fallback>
+        <mc:Fallback xmlns="">
           <p:sp>
             <p:nvSpPr>
               <p:cNvPr id="46" name="TextBox 45">
@@ -26122,8 +26122,8 @@
           </a:p>
         </p:txBody>
       </p:sp>
-      <mc:AlternateContent xmlns:mc="http://schemas.openxmlformats.org/markup-compatibility/2006">
-        <mc:Choice xmlns:a14="http://schemas.microsoft.com/office/drawing/2010/main" Requires="a14">
+      <mc:AlternateContent xmlns:mc="http://schemas.openxmlformats.org/markup-compatibility/2006" xmlns:a14="http://schemas.microsoft.com/office/drawing/2010/main">
+        <mc:Choice Requires="a14">
           <p:sp>
             <p:nvSpPr>
               <p:cNvPr id="56" name="TextBox 55">
@@ -26502,7 +26502,7 @@
             </p:txBody>
           </p:sp>
         </mc:Choice>
-        <mc:Fallback>
+        <mc:Fallback xmlns="">
           <p:sp>
             <p:nvSpPr>
               <p:cNvPr id="56" name="TextBox 55">
@@ -29883,13 +29883,13 @@
   <p:clrMapOvr>
     <a:masterClrMapping/>
   </p:clrMapOvr>
-  <mc:AlternateContent xmlns:mc="http://schemas.openxmlformats.org/markup-compatibility/2006">
-    <mc:Choice xmlns:p14="http://schemas.microsoft.com/office/powerpoint/2010/main" Requires="p14">
+  <mc:AlternateContent xmlns:mc="http://schemas.openxmlformats.org/markup-compatibility/2006" xmlns:p14="http://schemas.microsoft.com/office/powerpoint/2010/main">
+    <mc:Choice Requires="p14">
       <p:transition spd="slow" p14:dur="1400">
         <p14:ripple/>
       </p:transition>
     </mc:Choice>
-    <mc:Fallback>
+    <mc:Fallback xmlns="">
       <p:transition spd="slow">
         <p:fade/>
       </p:transition>
@@ -31177,14 +31177,49 @@
                 <a:latin typeface="Times New Roman" panose="02020603050405020304" pitchFamily="18" charset="0"/>
                 <a:cs typeface="Times New Roman" panose="02020603050405020304" pitchFamily="18" charset="0"/>
               </a:rPr>
-              <a:t>Dividend: </a:t>
+              <a:t>Dividend</a:t>
+            </a:r>
+            <a:r>
+              <a:rPr lang="en-US" sz="3000" b="1" i="1" u="sng">
+                <a:latin typeface="Times New Roman" panose="02020603050405020304" pitchFamily="18" charset="0"/>
+                <a:cs typeface="Times New Roman" panose="02020603050405020304" pitchFamily="18" charset="0"/>
+              </a:rPr>
+              <a:t>: </a:t>
+            </a:r>
+            <a:r>
+              <a:rPr lang="en-US" sz="3000" b="1" dirty="0">
+                <a:latin typeface="Times New Roman" panose="02020603050405020304" pitchFamily="18" charset="0"/>
+                <a:cs typeface="Times New Roman" panose="02020603050405020304" pitchFamily="18" charset="0"/>
+              </a:rPr>
+              <a:t>1</a:t>
+            </a:r>
+            <a:r>
+              <a:rPr lang="en-US" sz="3000">
+                <a:latin typeface="Times New Roman" panose="02020603050405020304" pitchFamily="18" charset="0"/>
+                <a:cs typeface="Times New Roman" panose="02020603050405020304" pitchFamily="18" charset="0"/>
+              </a:rPr>
+              <a:t> </a:t>
             </a:r>
             <a:r>
               <a:rPr lang="en-US" sz="3000" dirty="0">
                 <a:latin typeface="Times New Roman" panose="02020603050405020304" pitchFamily="18" charset="0"/>
                 <a:cs typeface="Times New Roman" panose="02020603050405020304" pitchFamily="18" charset="0"/>
               </a:rPr>
-              <a:t>0 for dividend; 1 for no dividend</a:t>
+              <a:t>for dividend</a:t>
+            </a:r>
+            <a:r>
+              <a:rPr lang="en-US" sz="3000">
+                <a:latin typeface="Times New Roman" panose="02020603050405020304" pitchFamily="18" charset="0"/>
+                <a:cs typeface="Times New Roman" panose="02020603050405020304" pitchFamily="18" charset="0"/>
+              </a:rPr>
+              <a:t>; 0 </a:t>
+            </a:r>
+            <a:r>
+              <a:rPr lang="en-US" sz="3000" dirty="0">
+                <a:latin typeface="Times New Roman" panose="02020603050405020304" pitchFamily="18" charset="0"/>
+                <a:cs typeface="Times New Roman" panose="02020603050405020304" pitchFamily="18" charset="0"/>
+              </a:rPr>
+              <a:t>for no dividend</a:t>
             </a:r>
           </a:p>
           <a:p>
@@ -31288,7 +31323,7 @@
                 <a:latin typeface="Times New Roman" panose="02020603050405020304" pitchFamily="18" charset="0"/>
                 <a:cs typeface="Times New Roman" panose="02020603050405020304" pitchFamily="18" charset="0"/>
               </a:rPr>
-              <a:t>Measure of the extent to which a co5mpany covers its debt. </a:t>
+              <a:t>Measure of the extent to which a company covers its debt. </a:t>
             </a:r>
           </a:p>
           <a:p>
@@ -31444,8 +31479,8 @@
           </a:p>
         </p:txBody>
       </p:sp>
-      <mc:AlternateContent xmlns:mc="http://schemas.openxmlformats.org/markup-compatibility/2006">
-        <mc:Choice xmlns:a14="http://schemas.microsoft.com/office/drawing/2010/main" Requires="a14">
+      <mc:AlternateContent xmlns:mc="http://schemas.openxmlformats.org/markup-compatibility/2006" xmlns:a14="http://schemas.microsoft.com/office/drawing/2010/main">
+        <mc:Choice Requires="a14">
           <p:sp>
             <p:nvSpPr>
               <p:cNvPr id="46" name="TextBox 45">
@@ -33033,7 +33068,7 @@
             </p:txBody>
           </p:sp>
         </mc:Choice>
-        <mc:Fallback>
+        <mc:Fallback xmlns="">
           <p:sp>
             <p:nvSpPr>
               <p:cNvPr id="46" name="TextBox 45">
@@ -33308,8 +33343,8 @@
           </a:p>
         </p:txBody>
       </p:sp>
-      <mc:AlternateContent xmlns:mc="http://schemas.openxmlformats.org/markup-compatibility/2006">
-        <mc:Choice xmlns:a14="http://schemas.microsoft.com/office/drawing/2010/main" Requires="a14">
+      <mc:AlternateContent xmlns:mc="http://schemas.openxmlformats.org/markup-compatibility/2006" xmlns:a14="http://schemas.microsoft.com/office/drawing/2010/main">
+        <mc:Choice Requires="a14">
           <p:sp>
             <p:nvSpPr>
               <p:cNvPr id="56" name="TextBox 55">
@@ -33688,7 +33723,7 @@
             </p:txBody>
           </p:sp>
         </mc:Choice>
-        <mc:Fallback>
+        <mc:Fallback xmlns="">
           <p:sp>
             <p:nvSpPr>
               <p:cNvPr id="56" name="TextBox 55">
@@ -39180,13 +39215,13 @@
   <p:clrMapOvr>
     <a:masterClrMapping/>
   </p:clrMapOvr>
-  <mc:AlternateContent xmlns:mc="http://schemas.openxmlformats.org/markup-compatibility/2006">
-    <mc:Choice xmlns:p14="http://schemas.microsoft.com/office/powerpoint/2010/main" Requires="p14">
+  <mc:AlternateContent xmlns:mc="http://schemas.openxmlformats.org/markup-compatibility/2006" xmlns:p14="http://schemas.microsoft.com/office/powerpoint/2010/main">
+    <mc:Choice Requires="p14">
       <p:transition spd="slow" p14:dur="4400">
         <p14:honeycomb/>
       </p:transition>
     </mc:Choice>
-    <mc:Fallback>
+    <mc:Fallback xmlns="">
       <p:transition spd="slow">
         <p:fade/>
       </p:transition>
